--- a/存储器件种类和接口.pptx
+++ b/存储器件种类和接口.pptx
@@ -9,8 +9,9 @@
     <p:sldId id="257" r:id="rId3"/>
     <p:sldId id="260" r:id="rId4"/>
     <p:sldId id="258" r:id="rId5"/>
-    <p:sldId id="259" r:id="rId6"/>
-    <p:sldId id="261" r:id="rId7"/>
+    <p:sldId id="262" r:id="rId6"/>
+    <p:sldId id="259" r:id="rId7"/>
+    <p:sldId id="261" r:id="rId8"/>
   </p:sldIdLst>
   <p:sldSz cx="12192000" cy="6858000"/>
   <p:notesSz cx="6858000" cy="9144000"/>
@@ -3694,7 +3695,7 @@
       <dgm:spPr/>
     </dgm:pt>
     <dgm:pt modelId="{928BE572-BCB1-4232-9632-7D3B80DD38F8}" type="pres">
-      <dgm:prSet presAssocID="{38A61D26-BB53-471A-A877-FE1A6F35EBF7}" presName="pictureRepeatNode" presStyleLbl="alignImgPlace1" presStyleIdx="0" presStyleCnt="1" custLinFactY="-13686" custLinFactNeighborX="67797" custLinFactNeighborY="-100000"/>
+      <dgm:prSet presAssocID="{38A61D26-BB53-471A-A877-FE1A6F35EBF7}" presName="pictureRepeatNode" presStyleLbl="alignImgPlace1" presStyleIdx="0" presStyleCnt="1" custLinFactNeighborX="51181" custLinFactNeighborY="-13920"/>
       <dgm:spPr/>
     </dgm:pt>
     <dgm:pt modelId="{E60E7400-E4A0-4916-A4A5-974D7FAC8113}" type="pres">
@@ -7377,7 +7378,7 @@
       </dsp:nvSpPr>
       <dsp:spPr>
         <a:xfrm>
-          <a:off x="2381249" y="0"/>
+          <a:off x="2381249" y="68580"/>
           <a:ext cx="2381250" cy="2381250"/>
         </a:xfrm>
         <a:prstGeom prst="ellipse">
@@ -11471,7 +11472,7 @@
           <a:p>
             <a:fld id="{89601374-CFE5-4C27-8F03-6CA101DA1D50}" type="datetimeFigureOut">
               <a:rPr lang="zh-CN" altLang="en-US" smtClean="0"/>
-              <a:t>2019/1/27</a:t>
+              <a:t>2019/2/11</a:t>
             </a:fld>
             <a:endParaRPr lang="zh-CN" altLang="en-US"/>
           </a:p>
@@ -11907,7 +11908,7 @@
           <a:p>
             <a:fld id="{89601374-CFE5-4C27-8F03-6CA101DA1D50}" type="datetimeFigureOut">
               <a:rPr lang="zh-CN" altLang="en-US" smtClean="0"/>
-              <a:t>2019/1/27</a:t>
+              <a:t>2019/2/11</a:t>
             </a:fld>
             <a:endParaRPr lang="zh-CN" altLang="en-US"/>
           </a:p>
@@ -12157,7 +12158,7 @@
           <a:p>
             <a:fld id="{89601374-CFE5-4C27-8F03-6CA101DA1D50}" type="datetimeFigureOut">
               <a:rPr lang="zh-CN" altLang="en-US" smtClean="0"/>
-              <a:t>2019/1/27</a:t>
+              <a:t>2019/2/11</a:t>
             </a:fld>
             <a:endParaRPr lang="zh-CN" altLang="en-US"/>
           </a:p>
@@ -12465,7 +12466,7 @@
           <a:p>
             <a:fld id="{89601374-CFE5-4C27-8F03-6CA101DA1D50}" type="datetimeFigureOut">
               <a:rPr lang="zh-CN" altLang="en-US" smtClean="0"/>
-              <a:t>2019/1/27</a:t>
+              <a:t>2019/2/11</a:t>
             </a:fld>
             <a:endParaRPr lang="zh-CN" altLang="en-US"/>
           </a:p>
@@ -12783,7 +12784,7 @@
           <a:p>
             <a:fld id="{89601374-CFE5-4C27-8F03-6CA101DA1D50}" type="datetimeFigureOut">
               <a:rPr lang="zh-CN" altLang="en-US" smtClean="0"/>
-              <a:t>2019/1/27</a:t>
+              <a:t>2019/2/11</a:t>
             </a:fld>
             <a:endParaRPr lang="zh-CN" altLang="en-US"/>
           </a:p>
@@ -13085,7 +13086,7 @@
           <a:p>
             <a:fld id="{89601374-CFE5-4C27-8F03-6CA101DA1D50}" type="datetimeFigureOut">
               <a:rPr lang="zh-CN" altLang="en-US" smtClean="0"/>
-              <a:t>2019/1/27</a:t>
+              <a:t>2019/2/11</a:t>
             </a:fld>
             <a:endParaRPr lang="zh-CN" altLang="en-US"/>
           </a:p>
@@ -13452,7 +13453,7 @@
           <a:p>
             <a:fld id="{89601374-CFE5-4C27-8F03-6CA101DA1D50}" type="datetimeFigureOut">
               <a:rPr lang="zh-CN" altLang="en-US" smtClean="0"/>
-              <a:t>2019/1/27</a:t>
+              <a:t>2019/2/11</a:t>
             </a:fld>
             <a:endParaRPr lang="zh-CN" altLang="en-US"/>
           </a:p>
@@ -13626,7 +13627,7 @@
           <a:p>
             <a:fld id="{89601374-CFE5-4C27-8F03-6CA101DA1D50}" type="datetimeFigureOut">
               <a:rPr lang="zh-CN" altLang="en-US" smtClean="0"/>
-              <a:t>2019/1/27</a:t>
+              <a:t>2019/2/11</a:t>
             </a:fld>
             <a:endParaRPr lang="zh-CN" altLang="en-US"/>
           </a:p>
@@ -13806,7 +13807,7 @@
           <a:p>
             <a:fld id="{89601374-CFE5-4C27-8F03-6CA101DA1D50}" type="datetimeFigureOut">
               <a:rPr lang="zh-CN" altLang="en-US" smtClean="0"/>
-              <a:t>2019/1/27</a:t>
+              <a:t>2019/2/11</a:t>
             </a:fld>
             <a:endParaRPr lang="zh-CN" altLang="en-US"/>
           </a:p>
@@ -13976,7 +13977,7 @@
           <a:p>
             <a:fld id="{89601374-CFE5-4C27-8F03-6CA101DA1D50}" type="datetimeFigureOut">
               <a:rPr lang="zh-CN" altLang="en-US" smtClean="0"/>
-              <a:t>2019/1/27</a:t>
+              <a:t>2019/2/11</a:t>
             </a:fld>
             <a:endParaRPr lang="zh-CN" altLang="en-US"/>
           </a:p>
@@ -14226,7 +14227,7 @@
           <a:p>
             <a:fld id="{89601374-CFE5-4C27-8F03-6CA101DA1D50}" type="datetimeFigureOut">
               <a:rPr lang="zh-CN" altLang="en-US" smtClean="0"/>
-              <a:t>2019/1/27</a:t>
+              <a:t>2019/2/11</a:t>
             </a:fld>
             <a:endParaRPr lang="zh-CN" altLang="en-US"/>
           </a:p>
@@ -14462,7 +14463,7 @@
           <a:p>
             <a:fld id="{89601374-CFE5-4C27-8F03-6CA101DA1D50}" type="datetimeFigureOut">
               <a:rPr lang="zh-CN" altLang="en-US" smtClean="0"/>
-              <a:t>2019/1/27</a:t>
+              <a:t>2019/2/11</a:t>
             </a:fld>
             <a:endParaRPr lang="zh-CN" altLang="en-US"/>
           </a:p>
@@ -14844,7 +14845,7 @@
           <a:p>
             <a:fld id="{89601374-CFE5-4C27-8F03-6CA101DA1D50}" type="datetimeFigureOut">
               <a:rPr lang="zh-CN" altLang="en-US" smtClean="0"/>
-              <a:t>2019/1/27</a:t>
+              <a:t>2019/2/11</a:t>
             </a:fld>
             <a:endParaRPr lang="zh-CN" altLang="en-US"/>
           </a:p>
@@ -14962,7 +14963,7 @@
           <a:p>
             <a:fld id="{89601374-CFE5-4C27-8F03-6CA101DA1D50}" type="datetimeFigureOut">
               <a:rPr lang="zh-CN" altLang="en-US" smtClean="0"/>
-              <a:t>2019/1/27</a:t>
+              <a:t>2019/2/11</a:t>
             </a:fld>
             <a:endParaRPr lang="zh-CN" altLang="en-US"/>
           </a:p>
@@ -15067,7 +15068,7 @@
             <a:fld id="{89601374-CFE5-4C27-8F03-6CA101DA1D50}" type="datetimeFigureOut">
               <a:rPr lang="zh-CN" altLang="en-US" smtClean="0"/>
               <a:pPr/>
-              <a:t>2019/1/27</a:t>
+              <a:t>2019/2/11</a:t>
             </a:fld>
             <a:endParaRPr lang="zh-CN" altLang="en-US" dirty="0"/>
           </a:p>
@@ -15467,7 +15468,7 @@
           <a:p>
             <a:fld id="{89601374-CFE5-4C27-8F03-6CA101DA1D50}" type="datetimeFigureOut">
               <a:rPr lang="zh-CN" altLang="en-US" smtClean="0"/>
-              <a:t>2019/1/27</a:t>
+              <a:t>2019/2/11</a:t>
             </a:fld>
             <a:endParaRPr lang="zh-CN" altLang="en-US"/>
           </a:p>
@@ -15750,7 +15751,7 @@
           <a:p>
             <a:fld id="{89601374-CFE5-4C27-8F03-6CA101DA1D50}" type="datetimeFigureOut">
               <a:rPr lang="zh-CN" altLang="en-US" smtClean="0"/>
-              <a:t>2019/1/27</a:t>
+              <a:t>2019/2/11</a:t>
             </a:fld>
             <a:endParaRPr lang="zh-CN" altLang="en-US"/>
           </a:p>
@@ -16156,7 +16157,7 @@
           <a:p>
             <a:fld id="{89601374-CFE5-4C27-8F03-6CA101DA1D50}" type="datetimeFigureOut">
               <a:rPr lang="zh-CN" altLang="en-US" smtClean="0"/>
-              <a:t>2019/1/27</a:t>
+              <a:t>2019/2/11</a:t>
             </a:fld>
             <a:endParaRPr lang="zh-CN" altLang="en-US"/>
           </a:p>
@@ -16802,7 +16803,7 @@
         <p:spPr>
           <a:xfrm>
             <a:off x="1567543" y="711200"/>
-            <a:ext cx="9390743" cy="3416320"/>
+            <a:ext cx="9390743" cy="3647152"/>
           </a:xfrm>
           <a:prstGeom prst="rect">
             <a:avLst/>
@@ -16816,24 +16817,41 @@
           <a:lstStyle/>
           <a:p>
             <a:r>
-              <a:rPr lang="en-US" altLang="zh-CN" dirty="0"/>
+              <a:rPr lang="en-US" altLang="zh-CN" sz="2400" dirty="0">
+                <a:latin typeface="微软雅黑" panose="020B0503020204020204" pitchFamily="34" charset="-122"/>
+                <a:ea typeface="微软雅黑" panose="020B0503020204020204" pitchFamily="34" charset="-122"/>
+              </a:rPr>
               <a:t>RAM</a:t>
             </a:r>
             <a:r>
-              <a:rPr lang="zh-CN" altLang="en-US" dirty="0"/>
+              <a:rPr lang="zh-CN" altLang="en-US" sz="2400" dirty="0">
+                <a:latin typeface="微软雅黑" panose="020B0503020204020204" pitchFamily="34" charset="-122"/>
+                <a:ea typeface="微软雅黑" panose="020B0503020204020204" pitchFamily="34" charset="-122"/>
+              </a:rPr>
               <a:t>：</a:t>
             </a:r>
             <a:r>
-              <a:rPr lang="en-US" altLang="zh-CN" dirty="0"/>
+              <a:rPr lang="en-US" altLang="zh-CN" sz="2400" dirty="0">
+                <a:latin typeface="微软雅黑" panose="020B0503020204020204" pitchFamily="34" charset="-122"/>
+                <a:ea typeface="微软雅黑" panose="020B0503020204020204" pitchFamily="34" charset="-122"/>
+              </a:rPr>
               <a:t>Random Access Memory </a:t>
             </a:r>
             <a:r>
-              <a:rPr lang="zh-CN" altLang="en-US" dirty="0"/>
+              <a:rPr lang="zh-CN" altLang="en-US" sz="2400" dirty="0">
+                <a:latin typeface="微软雅黑" panose="020B0503020204020204" pitchFamily="34" charset="-122"/>
+                <a:ea typeface="微软雅黑" panose="020B0503020204020204" pitchFamily="34" charset="-122"/>
+              </a:rPr>
               <a:t>随机存取存贮器</a:t>
             </a:r>
             <a:endParaRPr lang="en-US" altLang="zh-CN" dirty="0"/>
           </a:p>
           <a:p>
+            <a:pPr>
+              <a:lnSpc>
+                <a:spcPct val="150000"/>
+              </a:lnSpc>
+            </a:pPr>
             <a:r>
               <a:rPr lang="zh-CN" altLang="en-US" dirty="0"/>
               <a:t>数据的存取分为随机存取和直接存取</a:t>
@@ -16843,14 +16861,38 @@
           <a:p>
             <a:r>
               <a:rPr lang="zh-CN" altLang="en-US" dirty="0"/>
-              <a:t>随机存储器：随机是指数据不是线性依次存储，而是自由指定地址进行数据读写，通俗来说就是可以以任何顺序访问，而不管前一次访问的是哪一个位置。</a:t>
+              <a:t>随机存储器：随机是指数据不是线性依次存储，而是自由指定地址进行数据读写，通俗</a:t>
+            </a:r>
+            <a:r>
+              <a:rPr lang="en-US" altLang="zh-CN" dirty="0"/>
+              <a:t>	         		       </a:t>
+            </a:r>
+            <a:r>
+              <a:rPr lang="zh-CN" altLang="en-US" dirty="0"/>
+              <a:t>来说就是可以以</a:t>
+            </a:r>
+            <a:r>
+              <a:rPr lang="zh-CN" altLang="en-US" b="1" dirty="0"/>
+              <a:t>任何顺序访问</a:t>
+            </a:r>
+            <a:r>
+              <a:rPr lang="zh-CN" altLang="en-US" dirty="0"/>
+              <a:t>，而不管前一次访问的是哪一个位置。</a:t>
             </a:r>
             <a:endParaRPr lang="en-US" altLang="zh-CN" dirty="0"/>
           </a:p>
           <a:p>
             <a:r>
               <a:rPr lang="zh-CN" altLang="en-US" dirty="0"/>
-              <a:t>直接存取器：先指向一个区域，在区域内顺序查找，访问时间与数据位置有关（硬盘）</a:t>
+              <a:t>直接存取器：先指向一个区域，在区域内</a:t>
+            </a:r>
+            <a:r>
+              <a:rPr lang="zh-CN" altLang="en-US" b="1" dirty="0"/>
+              <a:t>顺序查找</a:t>
+            </a:r>
+            <a:r>
+              <a:rPr lang="zh-CN" altLang="en-US" dirty="0"/>
+              <a:t>，访问时间与数据位置有关（硬盘）</a:t>
             </a:r>
             <a:endParaRPr lang="en-US" altLang="zh-CN" dirty="0"/>
           </a:p>
@@ -16867,16 +16909,28 @@
               <a:t>分为</a:t>
             </a:r>
             <a:r>
+              <a:rPr lang="en-US" altLang="zh-CN" b="1" dirty="0">
+                <a:solidFill>
+                  <a:srgbClr val="FFC000"/>
+                </a:solidFill>
+              </a:rPr>
+              <a:t>SRAM</a:t>
+            </a:r>
+            <a:r>
               <a:rPr lang="en-US" altLang="zh-CN" dirty="0"/>
-              <a:t>SRAM(Static RAM)</a:t>
+              <a:t>(Static RAM)</a:t>
             </a:r>
             <a:r>
               <a:rPr lang="zh-CN" altLang="en-US" dirty="0"/>
-              <a:t>和动态</a:t>
+              <a:t>和</a:t>
             </a:r>
             <a:r>
-              <a:rPr lang="en-US" altLang="zh-CN" dirty="0"/>
-              <a:t>RAM</a:t>
+              <a:rPr lang="en-US" altLang="zh-CN" b="1" dirty="0">
+                <a:solidFill>
+                  <a:srgbClr val="FFC000"/>
+                </a:solidFill>
+              </a:rPr>
+              <a:t>DRAM</a:t>
             </a:r>
             <a:r>
               <a:rPr lang="zh-CN" altLang="en-US" dirty="0"/>
@@ -16948,12 +17002,15 @@
             </a:r>
             <a:r>
               <a:rPr lang="zh-CN" altLang="en-US" dirty="0"/>
-              <a:t>保存数据</a:t>
+              <a:t>保存数据，需要刷新电路给电容充放电</a:t>
             </a:r>
             <a:endParaRPr lang="en-US" altLang="zh-CN" dirty="0"/>
           </a:p>
           <a:p>
-            <a:endParaRPr lang="en-US" altLang="zh-CN" dirty="0"/>
+            <a:r>
+              <a:rPr lang="en-US" altLang="zh-CN" dirty="0"/>
+              <a:t> </a:t>
+            </a:r>
           </a:p>
         </p:txBody>
       </p:sp>
@@ -16972,13 +17029,13 @@
           <p:nvPr>
             <p:extLst>
               <p:ext uri="{D42A27DB-BD31-4B8C-83A1-F6EECF244321}">
-                <p14:modId xmlns:p14="http://schemas.microsoft.com/office/powerpoint/2010/main" val="2949169809"/>
+                <p14:modId xmlns:p14="http://schemas.microsoft.com/office/powerpoint/2010/main" val="1225346695"/>
               </p:ext>
             </p:extLst>
           </p:nvPr>
         </p:nvGraphicFramePr>
         <p:xfrm>
-          <a:off x="1567543" y="4127520"/>
+          <a:off x="1567543" y="4404519"/>
           <a:ext cx="9390744" cy="1473200"/>
         </p:xfrm>
         <a:graphic>
@@ -17125,7 +17182,7 @@
                     <a:p>
                       <a:r>
                         <a:rPr lang="zh-CN" altLang="en-US" dirty="0"/>
-                        <a:t>成本高、集成度</a:t>
+                        <a:t>成本高、集成度低</a:t>
                       </a:r>
                       <a:endParaRPr lang="en-US" altLang="zh-CN" dirty="0"/>
                     </a:p>
@@ -17160,7 +17217,7 @@
                     <a:p>
                       <a:r>
                         <a:rPr lang="en-US" altLang="zh-CN" dirty="0"/>
-                        <a:t>Usage</a:t>
+                        <a:t>Usages</a:t>
                       </a:r>
                       <a:endParaRPr lang="zh-CN" altLang="en-US" dirty="0"/>
                     </a:p>
@@ -17459,6 +17516,36 @@
           </a:p>
         </p:txBody>
       </p:sp>
+      <p:pic>
+        <p:nvPicPr>
+          <p:cNvPr id="4" name="图片 3">
+            <a:extLst>
+              <a:ext uri="{FF2B5EF4-FFF2-40B4-BE49-F238E27FC236}">
+                <a16:creationId xmlns:a16="http://schemas.microsoft.com/office/drawing/2014/main" id="{7E01500A-5C9E-4B99-8701-16C56D3E6EE2}"/>
+              </a:ext>
+            </a:extLst>
+          </p:cNvPr>
+          <p:cNvPicPr>
+            <a:picLocks noChangeAspect="1"/>
+          </p:cNvPicPr>
+          <p:nvPr/>
+        </p:nvPicPr>
+        <p:blipFill>
+          <a:blip r:embed="rId2"/>
+          <a:stretch>
+            <a:fillRect/>
+          </a:stretch>
+        </p:blipFill>
+        <p:spPr>
+          <a:xfrm>
+            <a:off x="8366174" y="2012632"/>
+            <a:ext cx="2971800" cy="4295775"/>
+          </a:xfrm>
+          <a:prstGeom prst="rect">
+            <a:avLst/>
+          </a:prstGeom>
+        </p:spPr>
+      </p:pic>
     </p:spTree>
     <p:extLst>
       <p:ext uri="{BB962C8B-B14F-4D97-AF65-F5344CB8AC3E}">
@@ -17504,7 +17591,7 @@
         <p:spPr>
           <a:xfrm>
             <a:off x="801858" y="590843"/>
-            <a:ext cx="11113477" cy="4801314"/>
+            <a:ext cx="11113477" cy="3970318"/>
           </a:xfrm>
           <a:prstGeom prst="rect">
             <a:avLst/>
@@ -17580,52 +17667,6 @@
           <a:p>
             <a:r>
               <a:rPr lang="en-US" altLang="zh-CN" dirty="0"/>
-              <a:t>SDRAM</a:t>
-            </a:r>
-            <a:r>
-              <a:rPr lang="zh-CN" altLang="en-US" dirty="0"/>
-              <a:t>静态随机存储器</a:t>
-            </a:r>
-            <a:r>
-              <a:rPr lang="en-US" altLang="zh-CN" dirty="0"/>
-              <a:t> –</a:t>
-            </a:r>
-            <a:r>
-              <a:rPr lang="zh-CN" altLang="en-US" dirty="0"/>
-              <a:t>晶体管锁存，速度快，成本高，生产工艺复杂，</a:t>
-            </a:r>
-            <a:r>
-              <a:rPr lang="en-US" altLang="zh-CN" dirty="0"/>
-              <a:t>cache</a:t>
-            </a:r>
-            <a:r>
-              <a:rPr lang="zh-CN" altLang="en-US" dirty="0"/>
-              <a:t>使用的就是</a:t>
-            </a:r>
-            <a:r>
-              <a:rPr lang="en-US" altLang="zh-CN" dirty="0"/>
-              <a:t>SDRAM</a:t>
-            </a:r>
-            <a:r>
-              <a:rPr lang="zh-CN" altLang="en-US" dirty="0"/>
-              <a:t>，借助速度优势，存在于</a:t>
-            </a:r>
-            <a:r>
-              <a:rPr lang="en-US" altLang="zh-CN" dirty="0"/>
-              <a:t>CPU</a:t>
-            </a:r>
-            <a:r>
-              <a:rPr lang="zh-CN" altLang="en-US" dirty="0"/>
-              <a:t>和内存之间的桥梁</a:t>
-            </a:r>
-            <a:endParaRPr lang="en-US" altLang="zh-CN" dirty="0"/>
-          </a:p>
-          <a:p>
-            <a:endParaRPr lang="en-US" altLang="zh-CN" dirty="0"/>
-          </a:p>
-          <a:p>
-            <a:r>
-              <a:rPr lang="en-US" altLang="zh-CN" dirty="0"/>
               <a:t>DDR double data rate </a:t>
             </a:r>
             <a:r>
@@ -17645,7 +17686,7 @@
           <a:p>
             <a:r>
               <a:rPr lang="en-US" altLang="zh-CN" dirty="0"/>
-              <a:t>	DDRII</a:t>
+              <a:t>DDRII</a:t>
             </a:r>
             <a:r>
               <a:rPr lang="zh-CN" altLang="en-US" dirty="0"/>
@@ -17695,7 +17736,7 @@
           <p:nvPr>
             <p:extLst>
               <p:ext uri="{D42A27DB-BD31-4B8C-83A1-F6EECF244321}">
-                <p14:modId xmlns:p14="http://schemas.microsoft.com/office/powerpoint/2010/main" val="793810264"/>
+                <p14:modId xmlns:p14="http://schemas.microsoft.com/office/powerpoint/2010/main" val="2616173672"/>
               </p:ext>
             </p:extLst>
           </p:nvPr>
@@ -17710,6 +17751,36 @@
           </a:graphicData>
         </a:graphic>
       </p:graphicFrame>
+      <p:pic>
+        <p:nvPicPr>
+          <p:cNvPr id="4" name="图片 3">
+            <a:extLst>
+              <a:ext uri="{FF2B5EF4-FFF2-40B4-BE49-F238E27FC236}">
+                <a16:creationId xmlns:a16="http://schemas.microsoft.com/office/drawing/2014/main" id="{3CCA99C2-C7BF-4153-98AB-68C7E6410C3D}"/>
+              </a:ext>
+            </a:extLst>
+          </p:cNvPr>
+          <p:cNvPicPr>
+            <a:picLocks noChangeAspect="1"/>
+          </p:cNvPicPr>
+          <p:nvPr/>
+        </p:nvPicPr>
+        <p:blipFill>
+          <a:blip r:embed="rId7"/>
+          <a:stretch>
+            <a:fillRect/>
+          </a:stretch>
+        </p:blipFill>
+        <p:spPr>
+          <a:xfrm>
+            <a:off x="6358596" y="3040673"/>
+            <a:ext cx="2828925" cy="3600450"/>
+          </a:xfrm>
+          <a:prstGeom prst="rect">
+            <a:avLst/>
+          </a:prstGeom>
+        </p:spPr>
+      </p:pic>
     </p:spTree>
     <p:extLst>
       <p:ext uri="{BB962C8B-B14F-4D97-AF65-F5344CB8AC3E}">
@@ -17724,6 +17795,97 @@
 </file>
 
 <file path=ppt/slides/slide5.xml><?xml version="1.0" encoding="utf-8"?>
+<p:sld xmlns:a="http://schemas.openxmlformats.org/drawingml/2006/main" xmlns:r="http://schemas.openxmlformats.org/officeDocument/2006/relationships" xmlns:p="http://schemas.openxmlformats.org/presentationml/2006/main">
+  <p:cSld>
+    <p:spTree>
+      <p:nvGrpSpPr>
+        <p:cNvPr id="1" name=""/>
+        <p:cNvGrpSpPr/>
+        <p:nvPr/>
+      </p:nvGrpSpPr>
+      <p:grpSpPr>
+        <a:xfrm>
+          <a:off x="0" y="0"/>
+          <a:ext cx="0" cy="0"/>
+          <a:chOff x="0" y="0"/>
+          <a:chExt cx="0" cy="0"/>
+        </a:xfrm>
+      </p:grpSpPr>
+      <p:sp>
+        <p:nvSpPr>
+          <p:cNvPr id="2" name="标题 1">
+            <a:extLst>
+              <a:ext uri="{FF2B5EF4-FFF2-40B4-BE49-F238E27FC236}">
+                <a16:creationId xmlns:a16="http://schemas.microsoft.com/office/drawing/2014/main" id="{DF11C76A-822D-48DB-90E4-7D1DE09E3295}"/>
+              </a:ext>
+            </a:extLst>
+          </p:cNvPr>
+          <p:cNvSpPr>
+            <a:spLocks noGrp="1"/>
+          </p:cNvSpPr>
+          <p:nvPr>
+            <p:ph type="title"/>
+          </p:nvPr>
+        </p:nvSpPr>
+        <p:spPr/>
+        <p:txBody>
+          <a:bodyPr/>
+          <a:lstStyle/>
+          <a:p>
+            <a:r>
+              <a:rPr lang="en-US" altLang="zh-CN" dirty="0"/>
+              <a:t>RAM</a:t>
+            </a:r>
+            <a:r>
+              <a:rPr lang="zh-CN" altLang="en-US" dirty="0"/>
+              <a:t>接口技术</a:t>
+            </a:r>
+          </a:p>
+        </p:txBody>
+      </p:sp>
+      <p:sp>
+        <p:nvSpPr>
+          <p:cNvPr id="3" name="文本占位符 2">
+            <a:extLst>
+              <a:ext uri="{FF2B5EF4-FFF2-40B4-BE49-F238E27FC236}">
+                <a16:creationId xmlns:a16="http://schemas.microsoft.com/office/drawing/2014/main" id="{156CB271-EBA0-4C10-8421-7BB2078280DD}"/>
+              </a:ext>
+            </a:extLst>
+          </p:cNvPr>
+          <p:cNvSpPr>
+            <a:spLocks noGrp="1"/>
+          </p:cNvSpPr>
+          <p:nvPr>
+            <p:ph type="body" sz="quarter" idx="13"/>
+          </p:nvPr>
+        </p:nvSpPr>
+        <p:spPr/>
+        <p:txBody>
+          <a:bodyPr/>
+          <a:lstStyle/>
+          <a:p>
+            <a:r>
+              <a:rPr lang="en-US" altLang="zh-CN" dirty="0"/>
+              <a:t>https://blog.csdn.net/shijiemazhenda/article/details/6774914</a:t>
+            </a:r>
+            <a:endParaRPr lang="zh-CN" altLang="en-US" dirty="0"/>
+          </a:p>
+        </p:txBody>
+      </p:sp>
+    </p:spTree>
+    <p:extLst>
+      <p:ext uri="{BB962C8B-B14F-4D97-AF65-F5344CB8AC3E}">
+        <p14:creationId xmlns:p14="http://schemas.microsoft.com/office/powerpoint/2010/main" val="3715425753"/>
+      </p:ext>
+    </p:extLst>
+  </p:cSld>
+  <p:clrMapOvr>
+    <a:masterClrMapping/>
+  </p:clrMapOvr>
+</p:sld>
+</file>
+
+<file path=ppt/slides/slide6.xml><?xml version="1.0" encoding="utf-8"?>
 <p:sld xmlns:a="http://schemas.openxmlformats.org/drawingml/2006/main" xmlns:r="http://schemas.openxmlformats.org/officeDocument/2006/relationships" xmlns:p="http://schemas.openxmlformats.org/presentationml/2006/main">
   <p:cSld>
     <p:spTree>
@@ -17792,7 +17954,7 @@
 </p:sld>
 </file>
 
-<file path=ppt/slides/slide6.xml><?xml version="1.0" encoding="utf-8"?>
+<file path=ppt/slides/slide7.xml><?xml version="1.0" encoding="utf-8"?>
 <p:sld xmlns:a="http://schemas.openxmlformats.org/drawingml/2006/main" xmlns:r="http://schemas.openxmlformats.org/officeDocument/2006/relationships" xmlns:p="http://schemas.openxmlformats.org/presentationml/2006/main">
   <p:cSld>
     <p:spTree>
